--- a/Slides/ANOVA1.pptx
+++ b/Slides/ANOVA1.pptx
@@ -5,16 +5,17 @@
     <p:sldMasterId id="2147483648" r:id="rId1"/>
   </p:sldMasterIdLst>
   <p:notesMasterIdLst>
-    <p:notesMasterId r:id="rId9"/>
+    <p:notesMasterId r:id="rId10"/>
   </p:notesMasterIdLst>
   <p:sldIdLst>
     <p:sldId id="256" r:id="rId2"/>
     <p:sldId id="257" r:id="rId3"/>
     <p:sldId id="258" r:id="rId4"/>
-    <p:sldId id="259" r:id="rId5"/>
-    <p:sldId id="260" r:id="rId6"/>
-    <p:sldId id="261" r:id="rId7"/>
-    <p:sldId id="262" r:id="rId8"/>
+    <p:sldId id="262" r:id="rId5"/>
+    <p:sldId id="259" r:id="rId6"/>
+    <p:sldId id="260" r:id="rId7"/>
+    <p:sldId id="261" r:id="rId8"/>
+    <p:sldId id="263" r:id="rId9"/>
   </p:sldIdLst>
   <p:sldSz cx="9144000" cy="6858000" type="screen4x3"/>
   <p:notesSz cx="6858000" cy="9144000"/>
@@ -269,7 +270,7 @@
               <a:pPr>
                 <a:defRPr/>
               </a:pPr>
-              <a:t>7/21/2016</a:t>
+              <a:t>7/23/2016</a:t>
             </a:fld>
             <a:endParaRPr lang="en-US"/>
           </a:p>
@@ -821,6 +822,100 @@
           <a:p>
             <a:r>
               <a:rPr lang="en-US" dirty="0" smtClean="0"/>
+              <a:t>EXAMINE HANDOUT</a:t>
+            </a:r>
+            <a:endParaRPr lang="en-US" dirty="0"/>
+          </a:p>
+        </p:txBody>
+      </p:sp>
+      <p:sp>
+        <p:nvSpPr>
+          <p:cNvPr id="4" name="Slide Number Placeholder 3"/>
+          <p:cNvSpPr>
+            <a:spLocks noGrp="1"/>
+          </p:cNvSpPr>
+          <p:nvPr>
+            <p:ph type="sldNum" sz="quarter" idx="10"/>
+          </p:nvPr>
+        </p:nvSpPr>
+        <p:spPr/>
+        <p:txBody>
+          <a:bodyPr/>
+          <a:lstStyle/>
+          <a:p>
+            <a:pPr>
+              <a:defRPr/>
+            </a:pPr>
+            <a:fld id="{600BF82D-1B81-4333-9A31-CBB42AB2AA36}" type="slidenum">
+              <a:rPr lang="en-US" smtClean="0"/>
+              <a:pPr>
+                <a:defRPr/>
+              </a:pPr>
+              <a:t>4</a:t>
+            </a:fld>
+            <a:endParaRPr lang="en-US"/>
+          </a:p>
+        </p:txBody>
+      </p:sp>
+    </p:spTree>
+    <p:extLst>
+      <p:ext uri="{BB962C8B-B14F-4D97-AF65-F5344CB8AC3E}">
+        <p14:creationId xmlns:p14="http://schemas.microsoft.com/office/powerpoint/2010/main" val="1775619465"/>
+      </p:ext>
+    </p:extLst>
+  </p:cSld>
+  <p:clrMapOvr>
+    <a:masterClrMapping/>
+  </p:clrMapOvr>
+</p:notes>
+</file>
+
+<file path=ppt/notesSlides/notesSlide4.xml><?xml version="1.0" encoding="utf-8"?>
+<p:notes xmlns:a="http://schemas.openxmlformats.org/drawingml/2006/main" xmlns:r="http://schemas.openxmlformats.org/officeDocument/2006/relationships" xmlns:p="http://schemas.openxmlformats.org/presentationml/2006/main">
+  <p:cSld>
+    <p:spTree>
+      <p:nvGrpSpPr>
+        <p:cNvPr id="1" name=""/>
+        <p:cNvGrpSpPr/>
+        <p:nvPr/>
+      </p:nvGrpSpPr>
+      <p:grpSpPr>
+        <a:xfrm>
+          <a:off x="0" y="0"/>
+          <a:ext cx="0" cy="0"/>
+          <a:chOff x="0" y="0"/>
+          <a:chExt cx="0" cy="0"/>
+        </a:xfrm>
+      </p:grpSpPr>
+      <p:sp>
+        <p:nvSpPr>
+          <p:cNvPr id="2" name="Slide Image Placeholder 1"/>
+          <p:cNvSpPr>
+            <a:spLocks noGrp="1" noRot="1" noChangeAspect="1"/>
+          </p:cNvSpPr>
+          <p:nvPr>
+            <p:ph type="sldImg"/>
+          </p:nvPr>
+        </p:nvSpPr>
+        <p:spPr/>
+      </p:sp>
+      <p:sp>
+        <p:nvSpPr>
+          <p:cNvPr id="3" name="Notes Placeholder 2"/>
+          <p:cNvSpPr>
+            <a:spLocks noGrp="1"/>
+          </p:cNvSpPr>
+          <p:nvPr>
+            <p:ph type="body" idx="1"/>
+          </p:nvPr>
+        </p:nvSpPr>
+        <p:spPr/>
+        <p:txBody>
+          <a:bodyPr/>
+          <a:lstStyle/>
+          <a:p>
+            <a:r>
+              <a:rPr lang="en-US" dirty="0" smtClean="0"/>
               <a:t>windows(4,4); par(mar=c(3.5,3.5,0.1,0.1),</a:t>
             </a:r>
             <a:r>
@@ -959,7 +1054,7 @@
             <a:fld id="{D159934F-C72F-4F16-B7DD-CEEDBA399639}" type="slidenum">
               <a:rPr lang="en-US" smtClean="0"/>
               <a:pPr/>
-              <a:t>5</a:t>
+              <a:t>6</a:t>
             </a:fld>
             <a:endParaRPr lang="en-US"/>
           </a:p>
@@ -969,6 +1064,99 @@
     <p:extLst>
       <p:ext uri="{BB962C8B-B14F-4D97-AF65-F5344CB8AC3E}">
         <p14:creationId xmlns:p14="http://schemas.microsoft.com/office/powerpoint/2010/main" val="2561515151"/>
+      </p:ext>
+    </p:extLst>
+  </p:cSld>
+  <p:clrMapOvr>
+    <a:masterClrMapping/>
+  </p:clrMapOvr>
+</p:notes>
+</file>
+
+<file path=ppt/notesSlides/notesSlide5.xml><?xml version="1.0" encoding="utf-8"?>
+<p:notes xmlns:a="http://schemas.openxmlformats.org/drawingml/2006/main" xmlns:r="http://schemas.openxmlformats.org/officeDocument/2006/relationships" xmlns:p="http://schemas.openxmlformats.org/presentationml/2006/main">
+  <p:cSld>
+    <p:spTree>
+      <p:nvGrpSpPr>
+        <p:cNvPr id="1" name=""/>
+        <p:cNvGrpSpPr/>
+        <p:nvPr/>
+      </p:nvGrpSpPr>
+      <p:grpSpPr>
+        <a:xfrm>
+          <a:off x="0" y="0"/>
+          <a:ext cx="0" cy="0"/>
+          <a:chOff x="0" y="0"/>
+          <a:chExt cx="0" cy="0"/>
+        </a:xfrm>
+      </p:grpSpPr>
+      <p:sp>
+        <p:nvSpPr>
+          <p:cNvPr id="2" name="Slide Image Placeholder 1"/>
+          <p:cNvSpPr>
+            <a:spLocks noGrp="1" noRot="1" noChangeAspect="1"/>
+          </p:cNvSpPr>
+          <p:nvPr>
+            <p:ph type="sldImg"/>
+          </p:nvPr>
+        </p:nvSpPr>
+        <p:spPr/>
+      </p:sp>
+      <p:sp>
+        <p:nvSpPr>
+          <p:cNvPr id="3" name="Notes Placeholder 2"/>
+          <p:cNvSpPr>
+            <a:spLocks noGrp="1"/>
+          </p:cNvSpPr>
+          <p:nvPr>
+            <p:ph type="body" idx="1"/>
+          </p:nvPr>
+        </p:nvSpPr>
+        <p:spPr/>
+        <p:txBody>
+          <a:bodyPr/>
+          <a:lstStyle/>
+          <a:p>
+            <a:r>
+              <a:rPr lang="en-US" dirty="0" smtClean="0"/>
+              <a:t>EXAMINE HANDOUT</a:t>
+            </a:r>
+          </a:p>
+        </p:txBody>
+      </p:sp>
+      <p:sp>
+        <p:nvSpPr>
+          <p:cNvPr id="4" name="Slide Number Placeholder 3"/>
+          <p:cNvSpPr>
+            <a:spLocks noGrp="1"/>
+          </p:cNvSpPr>
+          <p:nvPr>
+            <p:ph type="sldNum" sz="quarter" idx="10"/>
+          </p:nvPr>
+        </p:nvSpPr>
+        <p:spPr/>
+        <p:txBody>
+          <a:bodyPr/>
+          <a:lstStyle/>
+          <a:p>
+            <a:pPr>
+              <a:defRPr/>
+            </a:pPr>
+            <a:fld id="{600BF82D-1B81-4333-9A31-CBB42AB2AA36}" type="slidenum">
+              <a:rPr lang="en-US" smtClean="0"/>
+              <a:pPr>
+                <a:defRPr/>
+              </a:pPr>
+              <a:t>7</a:t>
+            </a:fld>
+            <a:endParaRPr lang="en-US"/>
+          </a:p>
+        </p:txBody>
+      </p:sp>
+    </p:spTree>
+    <p:extLst>
+      <p:ext uri="{BB962C8B-B14F-4D97-AF65-F5344CB8AC3E}">
+        <p14:creationId xmlns:p14="http://schemas.microsoft.com/office/powerpoint/2010/main" val="4262061263"/>
       </p:ext>
     </p:extLst>
   </p:cSld>
@@ -7194,7 +7382,7 @@
           <a:noFill/>
           <a:ln w="38100">
             <a:solidFill>
-              <a:srgbClr val="FF0000"/>
+              <a:srgbClr val="C00000"/>
             </a:solidFill>
             <a:prstDash val="solid"/>
             <a:round/>
@@ -7807,7 +7995,7 @@
           <a:p>
             <a:r>
               <a:rPr lang="en-US" b="1" dirty="0" smtClean="0"/>
-              <a:t>Post Hoc Multiple Comparisons</a:t>
+              <a:t>Assumptions</a:t>
             </a:r>
             <a:endParaRPr lang="en-US" b="1" dirty="0"/>
           </a:p>
@@ -7823,93 +8011,33 @@
             <p:ph idx="1"/>
           </p:nvPr>
         </p:nvSpPr>
-        <p:spPr>
-          <a:xfrm>
-            <a:off x="457200" y="1600200"/>
-            <a:ext cx="8534400" cy="4525963"/>
-          </a:xfrm>
-        </p:spPr>
+        <p:spPr/>
         <p:txBody>
           <a:bodyPr/>
           <a:lstStyle/>
           <a:p>
             <a:r>
               <a:rPr lang="en-US" dirty="0" smtClean="0"/>
-              <a:t>Find which specific pairs differ.</a:t>
-            </a:r>
-          </a:p>
-          <a:p>
-            <a:endParaRPr lang="en-US" dirty="0"/>
-          </a:p>
-          <a:p>
-            <a:r>
-              <a:rPr lang="en-US" dirty="0" err="1" smtClean="0"/>
-              <a:t>Experimentwise</a:t>
-            </a:r>
+              <a:t>Independence of individuals between and among groups.</a:t>
+            </a:r>
+          </a:p>
+          <a:p>
             <a:r>
               <a:rPr lang="en-US" dirty="0" smtClean="0"/>
-              <a:t> error rate … </a:t>
-            </a:r>
-          </a:p>
-          <a:p>
-            <a:pPr lvl="1"/>
+              <a:t>Equal variances among groups.</a:t>
+            </a:r>
+          </a:p>
+          <a:p>
             <a:r>
               <a:rPr lang="en-US" dirty="0" smtClean="0"/>
-              <a:t>Probability </a:t>
-            </a:r>
-            <a:r>
-              <a:rPr lang="en-US" dirty="0"/>
-              <a:t>of rejecting </a:t>
-            </a:r>
-            <a:r>
-              <a:rPr lang="en-US" i="1" dirty="0">
-                <a:solidFill>
-                  <a:srgbClr val="C00000"/>
-                </a:solidFill>
-              </a:rPr>
-              <a:t>at least </a:t>
-            </a:r>
-            <a:r>
-              <a:rPr lang="en-US" dirty="0"/>
-              <a:t>one correct H</a:t>
-            </a:r>
-            <a:r>
-              <a:rPr lang="en-US" baseline="-25000" dirty="0"/>
-              <a:t>0</a:t>
-            </a:r>
-            <a:r>
-              <a:rPr lang="en-US" dirty="0"/>
-              <a:t> </a:t>
-            </a:r>
+              <a:t>Normality within each group.</a:t>
+            </a:r>
+          </a:p>
+          <a:p>
             <a:r>
               <a:rPr lang="en-US" dirty="0" smtClean="0"/>
-              <a:t>when comparing </a:t>
-            </a:r>
-            <a:r>
-              <a:rPr lang="en-US" dirty="0"/>
-              <a:t>all </a:t>
-            </a:r>
-            <a:r>
-              <a:rPr lang="en-US" dirty="0" smtClean="0"/>
-              <a:t>pairs of groups.</a:t>
-            </a:r>
-          </a:p>
-          <a:p>
-            <a:pPr lvl="1"/>
-            <a:r>
-              <a:rPr lang="en-US" dirty="0" smtClean="0"/>
-              <a:t>Find at least one difference where one did not exist</a:t>
-            </a:r>
-          </a:p>
-          <a:p>
-            <a:pPr lvl="1"/>
-            <a:r>
-              <a:rPr lang="en-US" dirty="0" smtClean="0"/>
-              <a:t>Increases dramatically with more groups.</a:t>
-            </a:r>
-            <a:endParaRPr lang="en-US" dirty="0"/>
-          </a:p>
-          <a:p>
+              <a:t>No outliers.</a:t>
+            </a:r>
             <a:endParaRPr lang="en-US" dirty="0"/>
           </a:p>
         </p:txBody>
@@ -7964,6 +8092,630 @@
                 <a:defRPr/>
               </a:pPr>
               <a:t>4</a:t>
+            </a:fld>
+            <a:endParaRPr lang="en-US"/>
+          </a:p>
+        </p:txBody>
+      </p:sp>
+      <p:sp>
+        <p:nvSpPr>
+          <p:cNvPr id="9" name="Date Placeholder 8"/>
+          <p:cNvSpPr>
+            <a:spLocks noGrp="1"/>
+          </p:cNvSpPr>
+          <p:nvPr>
+            <p:ph type="dt" sz="half" idx="10"/>
+          </p:nvPr>
+        </p:nvSpPr>
+        <p:spPr/>
+        <p:txBody>
+          <a:bodyPr/>
+          <a:lstStyle/>
+          <a:p>
+            <a:pPr>
+              <a:defRPr/>
+            </a:pPr>
+            <a:r>
+              <a:rPr lang="en-US" smtClean="0"/>
+              <a:t>Ogle, Nunavut, 6-9 Aug 2016</a:t>
+            </a:r>
+            <a:endParaRPr lang="en-US" dirty="0" smtClean="0"/>
+          </a:p>
+        </p:txBody>
+      </p:sp>
+      <p:sp>
+        <p:nvSpPr>
+          <p:cNvPr id="4" name="Rounded Rectangle 3"/>
+          <p:cNvSpPr/>
+          <p:nvPr/>
+        </p:nvSpPr>
+        <p:spPr>
+          <a:xfrm>
+            <a:off x="2095500" y="4998244"/>
+            <a:ext cx="4953000" cy="914400"/>
+          </a:xfrm>
+          <a:prstGeom prst="roundRect">
+            <a:avLst/>
+          </a:prstGeom>
+          <a:solidFill>
+            <a:srgbClr val="CCFFFF"/>
+          </a:solidFill>
+        </p:spPr>
+        <p:style>
+          <a:lnRef idx="2">
+            <a:schemeClr val="accent1">
+              <a:shade val="50000"/>
+            </a:schemeClr>
+          </a:lnRef>
+          <a:fillRef idx="1">
+            <a:schemeClr val="accent1"/>
+          </a:fillRef>
+          <a:effectRef idx="0">
+            <a:schemeClr val="accent1"/>
+          </a:effectRef>
+          <a:fontRef idx="minor">
+            <a:schemeClr val="lt1"/>
+          </a:fontRef>
+        </p:style>
+        <p:txBody>
+          <a:bodyPr rtlCol="0" anchor="ctr"/>
+          <a:lstStyle/>
+          <a:p>
+            <a:pPr algn="ctr"/>
+            <a:r>
+              <a:rPr lang="en-US" sz="4000" dirty="0" smtClean="0">
+                <a:solidFill>
+                  <a:schemeClr val="tx1"/>
+                </a:solidFill>
+              </a:rPr>
+              <a:t>Examine Handout</a:t>
+            </a:r>
+            <a:endParaRPr lang="en-US" sz="4000" dirty="0">
+              <a:solidFill>
+                <a:schemeClr val="tx1"/>
+              </a:solidFill>
+            </a:endParaRPr>
+          </a:p>
+        </p:txBody>
+      </p:sp>
+    </p:spTree>
+    <p:extLst>
+      <p:ext uri="{BB962C8B-B14F-4D97-AF65-F5344CB8AC3E}">
+        <p14:creationId xmlns:p14="http://schemas.microsoft.com/office/powerpoint/2010/main" val="2177802168"/>
+      </p:ext>
+    </p:extLst>
+  </p:cSld>
+  <p:clrMapOvr>
+    <a:masterClrMapping/>
+  </p:clrMapOvr>
+  <p:timing>
+    <p:tnLst>
+      <p:par>
+        <p:cTn id="1" dur="indefinite" restart="never" nodeType="tmRoot">
+          <p:childTnLst>
+            <p:seq concurrent="1" nextAc="seek">
+              <p:cTn id="2" dur="indefinite" nodeType="mainSeq">
+                <p:childTnLst>
+                  <p:par>
+                    <p:cTn id="3" fill="hold">
+                      <p:stCondLst>
+                        <p:cond delay="indefinite"/>
+                        <p:cond evt="onBegin" delay="0">
+                          <p:tn val="2"/>
+                        </p:cond>
+                      </p:stCondLst>
+                      <p:childTnLst>
+                        <p:par>
+                          <p:cTn id="4" fill="hold">
+                            <p:stCondLst>
+                              <p:cond delay="0"/>
+                            </p:stCondLst>
+                            <p:childTnLst>
+                              <p:par>
+                                <p:cTn id="5" presetID="1" presetClass="entr" presetSubtype="0" fill="hold" grpId="0" nodeType="withEffect">
+                                  <p:stCondLst>
+                                    <p:cond delay="0"/>
+                                  </p:stCondLst>
+                                  <p:childTnLst>
+                                    <p:set>
+                                      <p:cBhvr>
+                                        <p:cTn id="6" dur="1" fill="hold">
+                                          <p:stCondLst>
+                                            <p:cond delay="0"/>
+                                          </p:stCondLst>
+                                        </p:cTn>
+                                        <p:tgtEl>
+                                          <p:spTgt spid="3">
+                                            <p:txEl>
+                                              <p:pRg st="0" end="0"/>
+                                            </p:txEl>
+                                          </p:spTgt>
+                                        </p:tgtEl>
+                                        <p:attrNameLst>
+                                          <p:attrName>style.visibility</p:attrName>
+                                        </p:attrNameLst>
+                                      </p:cBhvr>
+                                      <p:to>
+                                        <p:strVal val="visible"/>
+                                      </p:to>
+                                    </p:set>
+                                  </p:childTnLst>
+                                  <p:subTnLst>
+                                    <p:animClr clrSpc="rgb" dir="cw">
+                                      <p:cBhvr override="childStyle">
+                                        <p:cTn dur="1" fill="hold" display="0" masterRel="nextClick" afterEffect="1"/>
+                                        <p:tgtEl>
+                                          <p:spTgt spid="3">
+                                            <p:txEl>
+                                              <p:pRg st="0" end="0"/>
+                                            </p:txEl>
+                                          </p:spTgt>
+                                        </p:tgtEl>
+                                        <p:attrNameLst>
+                                          <p:attrName>ppt_c</p:attrName>
+                                        </p:attrNameLst>
+                                      </p:cBhvr>
+                                      <p:to>
+                                        <a:srgbClr val="5F5F5F"/>
+                                      </p:to>
+                                    </p:animClr>
+                                  </p:subTnLst>
+                                </p:cTn>
+                              </p:par>
+                            </p:childTnLst>
+                          </p:cTn>
+                        </p:par>
+                      </p:childTnLst>
+                    </p:cTn>
+                  </p:par>
+                  <p:par>
+                    <p:cTn id="7" fill="hold">
+                      <p:stCondLst>
+                        <p:cond delay="indefinite"/>
+                      </p:stCondLst>
+                      <p:childTnLst>
+                        <p:par>
+                          <p:cTn id="8" fill="hold">
+                            <p:stCondLst>
+                              <p:cond delay="0"/>
+                            </p:stCondLst>
+                            <p:childTnLst>
+                              <p:par>
+                                <p:cTn id="9" presetID="1" presetClass="entr" presetSubtype="0" fill="hold" grpId="0" nodeType="clickEffect">
+                                  <p:stCondLst>
+                                    <p:cond delay="0"/>
+                                  </p:stCondLst>
+                                  <p:childTnLst>
+                                    <p:set>
+                                      <p:cBhvr>
+                                        <p:cTn id="10" dur="1" fill="hold">
+                                          <p:stCondLst>
+                                            <p:cond delay="0"/>
+                                          </p:stCondLst>
+                                        </p:cTn>
+                                        <p:tgtEl>
+                                          <p:spTgt spid="3">
+                                            <p:txEl>
+                                              <p:pRg st="1" end="1"/>
+                                            </p:txEl>
+                                          </p:spTgt>
+                                        </p:tgtEl>
+                                        <p:attrNameLst>
+                                          <p:attrName>style.visibility</p:attrName>
+                                        </p:attrNameLst>
+                                      </p:cBhvr>
+                                      <p:to>
+                                        <p:strVal val="visible"/>
+                                      </p:to>
+                                    </p:set>
+                                  </p:childTnLst>
+                                  <p:subTnLst>
+                                    <p:animClr clrSpc="rgb" dir="cw">
+                                      <p:cBhvr override="childStyle">
+                                        <p:cTn dur="1" fill="hold" display="0" masterRel="nextClick" afterEffect="1"/>
+                                        <p:tgtEl>
+                                          <p:spTgt spid="3">
+                                            <p:txEl>
+                                              <p:pRg st="1" end="1"/>
+                                            </p:txEl>
+                                          </p:spTgt>
+                                        </p:tgtEl>
+                                        <p:attrNameLst>
+                                          <p:attrName>ppt_c</p:attrName>
+                                        </p:attrNameLst>
+                                      </p:cBhvr>
+                                      <p:to>
+                                        <a:srgbClr val="5F5F5F"/>
+                                      </p:to>
+                                    </p:animClr>
+                                  </p:subTnLst>
+                                </p:cTn>
+                              </p:par>
+                            </p:childTnLst>
+                          </p:cTn>
+                        </p:par>
+                      </p:childTnLst>
+                    </p:cTn>
+                  </p:par>
+                  <p:par>
+                    <p:cTn id="11" fill="hold">
+                      <p:stCondLst>
+                        <p:cond delay="indefinite"/>
+                      </p:stCondLst>
+                      <p:childTnLst>
+                        <p:par>
+                          <p:cTn id="12" fill="hold">
+                            <p:stCondLst>
+                              <p:cond delay="0"/>
+                            </p:stCondLst>
+                            <p:childTnLst>
+                              <p:par>
+                                <p:cTn id="13" presetID="1" presetClass="entr" presetSubtype="0" fill="hold" grpId="0" nodeType="clickEffect">
+                                  <p:stCondLst>
+                                    <p:cond delay="0"/>
+                                  </p:stCondLst>
+                                  <p:childTnLst>
+                                    <p:set>
+                                      <p:cBhvr>
+                                        <p:cTn id="14" dur="1" fill="hold">
+                                          <p:stCondLst>
+                                            <p:cond delay="0"/>
+                                          </p:stCondLst>
+                                        </p:cTn>
+                                        <p:tgtEl>
+                                          <p:spTgt spid="3">
+                                            <p:txEl>
+                                              <p:pRg st="2" end="2"/>
+                                            </p:txEl>
+                                          </p:spTgt>
+                                        </p:tgtEl>
+                                        <p:attrNameLst>
+                                          <p:attrName>style.visibility</p:attrName>
+                                        </p:attrNameLst>
+                                      </p:cBhvr>
+                                      <p:to>
+                                        <p:strVal val="visible"/>
+                                      </p:to>
+                                    </p:set>
+                                  </p:childTnLst>
+                                  <p:subTnLst>
+                                    <p:animClr clrSpc="rgb" dir="cw">
+                                      <p:cBhvr override="childStyle">
+                                        <p:cTn dur="1" fill="hold" display="0" masterRel="nextClick" afterEffect="1"/>
+                                        <p:tgtEl>
+                                          <p:spTgt spid="3">
+                                            <p:txEl>
+                                              <p:pRg st="2" end="2"/>
+                                            </p:txEl>
+                                          </p:spTgt>
+                                        </p:tgtEl>
+                                        <p:attrNameLst>
+                                          <p:attrName>ppt_c</p:attrName>
+                                        </p:attrNameLst>
+                                      </p:cBhvr>
+                                      <p:to>
+                                        <a:srgbClr val="5F5F5F"/>
+                                      </p:to>
+                                    </p:animClr>
+                                  </p:subTnLst>
+                                </p:cTn>
+                              </p:par>
+                            </p:childTnLst>
+                          </p:cTn>
+                        </p:par>
+                      </p:childTnLst>
+                    </p:cTn>
+                  </p:par>
+                  <p:par>
+                    <p:cTn id="15" fill="hold">
+                      <p:stCondLst>
+                        <p:cond delay="indefinite"/>
+                      </p:stCondLst>
+                      <p:childTnLst>
+                        <p:par>
+                          <p:cTn id="16" fill="hold">
+                            <p:stCondLst>
+                              <p:cond delay="0"/>
+                            </p:stCondLst>
+                            <p:childTnLst>
+                              <p:par>
+                                <p:cTn id="17" presetID="1" presetClass="entr" presetSubtype="0" fill="hold" grpId="0" nodeType="clickEffect">
+                                  <p:stCondLst>
+                                    <p:cond delay="0"/>
+                                  </p:stCondLst>
+                                  <p:childTnLst>
+                                    <p:set>
+                                      <p:cBhvr>
+                                        <p:cTn id="18" dur="1" fill="hold">
+                                          <p:stCondLst>
+                                            <p:cond delay="0"/>
+                                          </p:stCondLst>
+                                        </p:cTn>
+                                        <p:tgtEl>
+                                          <p:spTgt spid="3">
+                                            <p:txEl>
+                                              <p:pRg st="3" end="3"/>
+                                            </p:txEl>
+                                          </p:spTgt>
+                                        </p:tgtEl>
+                                        <p:attrNameLst>
+                                          <p:attrName>style.visibility</p:attrName>
+                                        </p:attrNameLst>
+                                      </p:cBhvr>
+                                      <p:to>
+                                        <p:strVal val="visible"/>
+                                      </p:to>
+                                    </p:set>
+                                  </p:childTnLst>
+                                </p:cTn>
+                              </p:par>
+                            </p:childTnLst>
+                          </p:cTn>
+                        </p:par>
+                        <p:par>
+                          <p:cTn id="19" fill="hold">
+                            <p:stCondLst>
+                              <p:cond delay="0"/>
+                            </p:stCondLst>
+                            <p:childTnLst>
+                              <p:par>
+                                <p:cTn id="20" presetID="1" presetClass="entr" presetSubtype="0" fill="hold" grpId="0" nodeType="afterEffect">
+                                  <p:stCondLst>
+                                    <p:cond delay="1000"/>
+                                  </p:stCondLst>
+                                  <p:childTnLst>
+                                    <p:set>
+                                      <p:cBhvr>
+                                        <p:cTn id="21" dur="1" fill="hold">
+                                          <p:stCondLst>
+                                            <p:cond delay="0"/>
+                                          </p:stCondLst>
+                                        </p:cTn>
+                                        <p:tgtEl>
+                                          <p:spTgt spid="4"/>
+                                        </p:tgtEl>
+                                        <p:attrNameLst>
+                                          <p:attrName>style.visibility</p:attrName>
+                                        </p:attrNameLst>
+                                      </p:cBhvr>
+                                      <p:to>
+                                        <p:strVal val="visible"/>
+                                      </p:to>
+                                    </p:set>
+                                  </p:childTnLst>
+                                </p:cTn>
+                              </p:par>
+                            </p:childTnLst>
+                          </p:cTn>
+                        </p:par>
+                      </p:childTnLst>
+                    </p:cTn>
+                  </p:par>
+                </p:childTnLst>
+              </p:cTn>
+              <p:prevCondLst>
+                <p:cond evt="onPrev" delay="0">
+                  <p:tgtEl>
+                    <p:sldTgt/>
+                  </p:tgtEl>
+                </p:cond>
+              </p:prevCondLst>
+              <p:nextCondLst>
+                <p:cond evt="onNext" delay="0">
+                  <p:tgtEl>
+                    <p:sldTgt/>
+                  </p:tgtEl>
+                </p:cond>
+              </p:nextCondLst>
+            </p:seq>
+          </p:childTnLst>
+        </p:cTn>
+      </p:par>
+    </p:tnLst>
+    <p:bldLst>
+      <p:bldP spid="3" grpId="0" uiExpand="1" build="p"/>
+      <p:bldP spid="4" grpId="0" animBg="1"/>
+    </p:bldLst>
+  </p:timing>
+</p:sld>
+</file>
+
+<file path=ppt/slides/slide5.xml><?xml version="1.0" encoding="utf-8"?>
+<p:sld xmlns:a="http://schemas.openxmlformats.org/drawingml/2006/main" xmlns:r="http://schemas.openxmlformats.org/officeDocument/2006/relationships" xmlns:p="http://schemas.openxmlformats.org/presentationml/2006/main">
+  <p:cSld>
+    <p:spTree>
+      <p:nvGrpSpPr>
+        <p:cNvPr id="1" name=""/>
+        <p:cNvGrpSpPr/>
+        <p:nvPr/>
+      </p:nvGrpSpPr>
+      <p:grpSpPr>
+        <a:xfrm>
+          <a:off x="0" y="0"/>
+          <a:ext cx="0" cy="0"/>
+          <a:chOff x="0" y="0"/>
+          <a:chExt cx="0" cy="0"/>
+        </a:xfrm>
+      </p:grpSpPr>
+      <p:sp>
+        <p:nvSpPr>
+          <p:cNvPr id="2" name="Title 1"/>
+          <p:cNvSpPr>
+            <a:spLocks noGrp="1"/>
+          </p:cNvSpPr>
+          <p:nvPr>
+            <p:ph type="title"/>
+          </p:nvPr>
+        </p:nvSpPr>
+        <p:spPr>
+          <a:xfrm>
+            <a:off x="457200" y="0"/>
+            <a:ext cx="8229600" cy="1143000"/>
+          </a:xfrm>
+        </p:spPr>
+        <p:txBody>
+          <a:bodyPr/>
+          <a:lstStyle/>
+          <a:p>
+            <a:r>
+              <a:rPr lang="en-US" b="1" dirty="0" smtClean="0"/>
+              <a:t>Post Hoc Multiple Comparisons</a:t>
+            </a:r>
+            <a:endParaRPr lang="en-US" b="1" dirty="0"/>
+          </a:p>
+        </p:txBody>
+      </p:sp>
+      <p:sp>
+        <p:nvSpPr>
+          <p:cNvPr id="3" name="Content Placeholder 2"/>
+          <p:cNvSpPr>
+            <a:spLocks noGrp="1"/>
+          </p:cNvSpPr>
+          <p:nvPr>
+            <p:ph idx="1"/>
+          </p:nvPr>
+        </p:nvSpPr>
+        <p:spPr>
+          <a:xfrm>
+            <a:off x="457200" y="1600200"/>
+            <a:ext cx="8534400" cy="4525963"/>
+          </a:xfrm>
+        </p:spPr>
+        <p:txBody>
+          <a:bodyPr/>
+          <a:lstStyle/>
+          <a:p>
+            <a:r>
+              <a:rPr lang="en-US" dirty="0" smtClean="0"/>
+              <a:t>Find which specific pairs differ.</a:t>
+            </a:r>
+          </a:p>
+          <a:p>
+            <a:endParaRPr lang="en-US" dirty="0"/>
+          </a:p>
+          <a:p>
+            <a:r>
+              <a:rPr lang="en-US" dirty="0" err="1" smtClean="0"/>
+              <a:t>Experimentwise</a:t>
+            </a:r>
+            <a:r>
+              <a:rPr lang="en-US" dirty="0" smtClean="0"/>
+              <a:t> error rate … </a:t>
+            </a:r>
+          </a:p>
+          <a:p>
+            <a:pPr lvl="1"/>
+            <a:r>
+              <a:rPr lang="en-US" dirty="0" smtClean="0"/>
+              <a:t>Probability </a:t>
+            </a:r>
+            <a:r>
+              <a:rPr lang="en-US" dirty="0"/>
+              <a:t>of rejecting </a:t>
+            </a:r>
+            <a:r>
+              <a:rPr lang="en-US" i="1" dirty="0">
+                <a:solidFill>
+                  <a:srgbClr val="C00000"/>
+                </a:solidFill>
+              </a:rPr>
+              <a:t>at least </a:t>
+            </a:r>
+            <a:r>
+              <a:rPr lang="en-US" dirty="0"/>
+              <a:t>one correct H</a:t>
+            </a:r>
+            <a:r>
+              <a:rPr lang="en-US" baseline="-25000" dirty="0"/>
+              <a:t>0</a:t>
+            </a:r>
+            <a:r>
+              <a:rPr lang="en-US" dirty="0"/>
+              <a:t> </a:t>
+            </a:r>
+            <a:r>
+              <a:rPr lang="en-US" dirty="0" smtClean="0"/>
+              <a:t>when comparing </a:t>
+            </a:r>
+            <a:r>
+              <a:rPr lang="en-US" dirty="0"/>
+              <a:t>all </a:t>
+            </a:r>
+            <a:r>
+              <a:rPr lang="en-US" dirty="0" smtClean="0"/>
+              <a:t>pairs of groups.</a:t>
+            </a:r>
+          </a:p>
+          <a:p>
+            <a:pPr lvl="1"/>
+            <a:r>
+              <a:rPr lang="en-US" dirty="0" smtClean="0"/>
+              <a:t>Find at least one difference where one did not exist</a:t>
+            </a:r>
+          </a:p>
+          <a:p>
+            <a:pPr lvl="1"/>
+            <a:r>
+              <a:rPr lang="en-US" dirty="0" smtClean="0"/>
+              <a:t>Increases dramatically with more groups.</a:t>
+            </a:r>
+            <a:endParaRPr lang="en-US" dirty="0"/>
+          </a:p>
+          <a:p>
+            <a:endParaRPr lang="en-US" dirty="0"/>
+          </a:p>
+        </p:txBody>
+      </p:sp>
+      <p:sp>
+        <p:nvSpPr>
+          <p:cNvPr id="7" name="Footer Placeholder 6"/>
+          <p:cNvSpPr>
+            <a:spLocks noGrp="1"/>
+          </p:cNvSpPr>
+          <p:nvPr>
+            <p:ph type="ftr" sz="quarter" idx="11"/>
+          </p:nvPr>
+        </p:nvSpPr>
+        <p:spPr/>
+        <p:txBody>
+          <a:bodyPr/>
+          <a:lstStyle/>
+          <a:p>
+            <a:pPr>
+              <a:defRPr/>
+            </a:pPr>
+            <a:r>
+              <a:rPr lang="en-US" smtClean="0"/>
+              <a:t>One-Way ANOVA</a:t>
+            </a:r>
+            <a:endParaRPr lang="en-US" dirty="0"/>
+          </a:p>
+        </p:txBody>
+      </p:sp>
+      <p:sp>
+        <p:nvSpPr>
+          <p:cNvPr id="8" name="Slide Number Placeholder 7"/>
+          <p:cNvSpPr>
+            <a:spLocks noGrp="1"/>
+          </p:cNvSpPr>
+          <p:nvPr>
+            <p:ph type="sldNum" sz="quarter" idx="12"/>
+          </p:nvPr>
+        </p:nvSpPr>
+        <p:spPr/>
+        <p:txBody>
+          <a:bodyPr/>
+          <a:lstStyle/>
+          <a:p>
+            <a:pPr>
+              <a:defRPr/>
+            </a:pPr>
+            <a:fld id="{BAF8C091-A6FE-48E1-884E-65DA2FC7D7EA}" type="slidenum">
+              <a:rPr lang="en-US" smtClean="0"/>
+              <a:pPr>
+                <a:defRPr/>
+              </a:pPr>
+              <a:t>5</a:t>
             </a:fld>
             <a:endParaRPr lang="en-US"/>
           </a:p>
@@ -8216,7 +8968,7 @@
 </p:sld>
 </file>
 
-<file path=ppt/slides/slide5.xml><?xml version="1.0" encoding="utf-8"?>
+<file path=ppt/slides/slide6.xml><?xml version="1.0" encoding="utf-8"?>
 <p:sld xmlns:a="http://schemas.openxmlformats.org/drawingml/2006/main" xmlns:r="http://schemas.openxmlformats.org/officeDocument/2006/relationships" xmlns:p="http://schemas.openxmlformats.org/presentationml/2006/main">
   <p:cSld>
     <p:spTree>
@@ -8413,7 +9165,7 @@
               <a:pPr>
                 <a:defRPr/>
               </a:pPr>
-              <a:t>5</a:t>
+              <a:t>6</a:t>
             </a:fld>
             <a:endParaRPr lang="en-US"/>
           </a:p>
@@ -8582,7 +9334,7 @@
 </p:sld>
 </file>
 
-<file path=ppt/slides/slide6.xml><?xml version="1.0" encoding="utf-8"?>
+<file path=ppt/slides/slide7.xml><?xml version="1.0" encoding="utf-8"?>
 <p:sld xmlns:a="http://schemas.openxmlformats.org/drawingml/2006/main" xmlns:r="http://schemas.openxmlformats.org/officeDocument/2006/relationships" xmlns:p="http://schemas.openxmlformats.org/presentationml/2006/main">
   <p:cSld>
     <p:spTree>
@@ -8683,7 +9435,7 @@
             <a:endParaRPr lang="en-US" dirty="0"/>
           </a:p>
           <a:p>
-            <a:endParaRPr lang="en-US" dirty="0"/>
+            <a:endParaRPr lang="en-US" sz="1200" dirty="0"/>
           </a:p>
           <a:p>
             <a:r>
@@ -8729,7 +9481,7 @@
           </a:p>
           <a:p>
             <a:pPr lvl="2"/>
-            <a:endParaRPr lang="en-US" dirty="0" smtClean="0"/>
+            <a:endParaRPr lang="en-US" sz="1200" dirty="0" smtClean="0"/>
           </a:p>
           <a:p>
             <a:pPr lvl="1"/>
@@ -8832,7 +9584,7 @@
               <a:pPr>
                 <a:defRPr/>
               </a:pPr>
-              <a:t>6</a:t>
+              <a:t>7</a:t>
             </a:fld>
             <a:endParaRPr lang="en-US"/>
           </a:p>
@@ -8861,6 +9613,61 @@
               <a:t>Ogle, Nunavut, 6-9 Aug 2016</a:t>
             </a:r>
             <a:endParaRPr lang="en-US" dirty="0" smtClean="0"/>
+          </a:p>
+        </p:txBody>
+      </p:sp>
+      <p:sp>
+        <p:nvSpPr>
+          <p:cNvPr id="8" name="Rounded Rectangle 7"/>
+          <p:cNvSpPr/>
+          <p:nvPr/>
+        </p:nvSpPr>
+        <p:spPr>
+          <a:xfrm>
+            <a:off x="2095500" y="5638800"/>
+            <a:ext cx="4953000" cy="914400"/>
+          </a:xfrm>
+          <a:prstGeom prst="roundRect">
+            <a:avLst/>
+          </a:prstGeom>
+          <a:solidFill>
+            <a:srgbClr val="CCFFFF"/>
+          </a:solidFill>
+        </p:spPr>
+        <p:style>
+          <a:lnRef idx="2">
+            <a:schemeClr val="accent1">
+              <a:shade val="50000"/>
+            </a:schemeClr>
+          </a:lnRef>
+          <a:fillRef idx="1">
+            <a:schemeClr val="accent1"/>
+          </a:fillRef>
+          <a:effectRef idx="0">
+            <a:schemeClr val="accent1"/>
+          </a:effectRef>
+          <a:fontRef idx="minor">
+            <a:schemeClr val="lt1"/>
+          </a:fontRef>
+        </p:style>
+        <p:txBody>
+          <a:bodyPr rtlCol="0" anchor="ctr"/>
+          <a:lstStyle/>
+          <a:p>
+            <a:pPr algn="ctr"/>
+            <a:r>
+              <a:rPr lang="en-US" sz="4000" dirty="0" smtClean="0">
+                <a:solidFill>
+                  <a:schemeClr val="tx1"/>
+                </a:solidFill>
+              </a:rPr>
+              <a:t>Examine Handout</a:t>
+            </a:r>
+            <a:endParaRPr lang="en-US" sz="4000" dirty="0">
+              <a:solidFill>
+                <a:schemeClr val="tx1"/>
+              </a:solidFill>
+            </a:endParaRPr>
           </a:p>
         </p:txBody>
       </p:sp>
@@ -9150,6 +9957,42 @@
                             </p:childTnLst>
                           </p:cTn>
                         </p:par>
+                        <p:par>
+                          <p:cTn id="23" fill="hold">
+                            <p:stCondLst>
+                              <p:cond delay="0"/>
+                            </p:stCondLst>
+                            <p:childTnLst>
+                              <p:par>
+                                <p:cTn id="24" presetID="1" presetClass="entr" presetSubtype="0" fill="hold" grpId="0" nodeType="afterEffect">
+                                  <p:stCondLst>
+                                    <p:cond delay="1000"/>
+                                  </p:stCondLst>
+                                  <p:childTnLst>
+                                    <p:set>
+                                      <p:cBhvr>
+                                        <p:cTn id="25" dur="1" fill="hold">
+                                          <p:stCondLst>
+                                            <p:cond delay="0"/>
+                                          </p:stCondLst>
+                                        </p:cTn>
+                                        <p:tgtEl>
+                                          <p:spTgt spid="8"/>
+                                        </p:tgtEl>
+                                        <p:attrNameLst>
+                                          <p:attrName>style.visibility</p:attrName>
+                                        </p:attrNameLst>
+                                      </p:cBhvr>
+                                      <p:to>
+                                        <p:strVal val="visible"/>
+                                      </p:to>
+                                    </p:set>
+                                  </p:childTnLst>
+                                </p:cTn>
+                              </p:par>
+                            </p:childTnLst>
+                          </p:cTn>
+                        </p:par>
                       </p:childTnLst>
                     </p:cTn>
                   </p:par>
@@ -9176,12 +10019,13 @@
     </p:tnLst>
     <p:bldLst>
       <p:bldP spid="212995" grpId="0" uiExpand="1" build="p"/>
+      <p:bldP spid="8" grpId="0" animBg="1"/>
     </p:bldLst>
   </p:timing>
 </p:sld>
 </file>
 
-<file path=ppt/slides/slide7.xml><?xml version="1.0" encoding="utf-8"?>
+<file path=ppt/slides/slide8.xml><?xml version="1.0" encoding="utf-8"?>
 <p:sld xmlns:a="http://schemas.openxmlformats.org/drawingml/2006/main" xmlns:r="http://schemas.openxmlformats.org/officeDocument/2006/relationships" xmlns:p="http://schemas.openxmlformats.org/presentationml/2006/main">
   <p:cSld>
     <p:spTree>
@@ -9219,10 +10063,14 @@
           <a:lstStyle/>
           <a:p>
             <a:r>
-              <a:rPr lang="en-US" b="1" dirty="0" smtClean="0"/>
-              <a:t>Assumptions</a:t>
-            </a:r>
-            <a:endParaRPr lang="en-US" b="1" dirty="0"/>
+              <a:rPr lang="en-US" dirty="0" err="1" smtClean="0"/>
+              <a:t>Kruskal</a:t>
+            </a:r>
+            <a:r>
+              <a:rPr lang="en-US" dirty="0" smtClean="0"/>
+              <a:t>-Wallis Test</a:t>
+            </a:r>
+            <a:endParaRPr lang="en-US" dirty="0"/>
           </a:p>
         </p:txBody>
       </p:sp>
@@ -9236,45 +10084,58 @@
             <p:ph idx="1"/>
           </p:nvPr>
         </p:nvSpPr>
-        <p:spPr/>
+        <p:spPr>
+          <a:xfrm>
+            <a:off x="457200" y="1143000"/>
+            <a:ext cx="8229600" cy="4983163"/>
+          </a:xfrm>
+        </p:spPr>
         <p:txBody>
           <a:bodyPr/>
           <a:lstStyle/>
           <a:p>
             <a:r>
               <a:rPr lang="en-US" dirty="0" smtClean="0"/>
-              <a:t>Independence of individuals between and among groups.</a:t>
-            </a:r>
-          </a:p>
-          <a:p>
+              <a:t>Non-parametric analog to one-way ANOVA</a:t>
+            </a:r>
+          </a:p>
+          <a:p>
+            <a:pPr lvl="1"/>
             <a:r>
               <a:rPr lang="en-US" dirty="0" smtClean="0"/>
-              <a:t>Equal variances among groups.</a:t>
-            </a:r>
-          </a:p>
-          <a:p>
+              <a:t>Still requires distributions to be similarly (but not necessarily normal) shaped.</a:t>
+            </a:r>
+          </a:p>
+          <a:p>
+            <a:pPr lvl="1"/>
             <a:r>
               <a:rPr lang="en-US" dirty="0" smtClean="0"/>
-              <a:t>Normality within each group.</a:t>
-            </a:r>
-          </a:p>
-          <a:p>
+              <a:t>Tests if medians differ among groups.</a:t>
+            </a:r>
+          </a:p>
+          <a:p>
+            <a:pPr lvl="1"/>
             <a:r>
               <a:rPr lang="en-US" dirty="0" smtClean="0"/>
-              <a:t>No outliers.</a:t>
-            </a:r>
+              <a:t>Use Dunn Test for post hoc multiple comparisons among all pairs of groups.</a:t>
+            </a:r>
+          </a:p>
+          <a:p>
             <a:endParaRPr lang="en-US" dirty="0"/>
           </a:p>
-        </p:txBody>
-      </p:sp>
-      <p:sp>
-        <p:nvSpPr>
-          <p:cNvPr id="7" name="Footer Placeholder 6"/>
+          <a:p>
+            <a:endParaRPr lang="en-US" dirty="0"/>
+          </a:p>
+        </p:txBody>
+      </p:sp>
+      <p:sp>
+        <p:nvSpPr>
+          <p:cNvPr id="4" name="Date Placeholder 3"/>
           <p:cNvSpPr>
             <a:spLocks noGrp="1"/>
           </p:cNvSpPr>
           <p:nvPr>
-            <p:ph type="ftr" sz="quarter" idx="11"/>
+            <p:ph type="dt" sz="half" idx="10"/>
           </p:nvPr>
         </p:nvSpPr>
         <p:spPr/>
@@ -9287,6 +10148,32 @@
             </a:pPr>
             <a:r>
               <a:rPr lang="en-US" smtClean="0"/>
+              <a:t>Ogle, Nunavut, 6-9 Aug 2016</a:t>
+            </a:r>
+            <a:endParaRPr lang="en-US" dirty="0" smtClean="0"/>
+          </a:p>
+        </p:txBody>
+      </p:sp>
+      <p:sp>
+        <p:nvSpPr>
+          <p:cNvPr id="5" name="Footer Placeholder 4"/>
+          <p:cNvSpPr>
+            <a:spLocks noGrp="1"/>
+          </p:cNvSpPr>
+          <p:nvPr>
+            <p:ph type="ftr" sz="quarter" idx="11"/>
+          </p:nvPr>
+        </p:nvSpPr>
+        <p:spPr/>
+        <p:txBody>
+          <a:bodyPr/>
+          <a:lstStyle/>
+          <a:p>
+            <a:pPr>
+              <a:defRPr/>
+            </a:pPr>
+            <a:r>
+              <a:rPr lang="en-US" smtClean="0"/>
               <a:t>One-Way ANOVA</a:t>
             </a:r>
             <a:endParaRPr lang="en-US" dirty="0"/>
@@ -9295,7 +10182,7 @@
       </p:sp>
       <p:sp>
         <p:nvSpPr>
-          <p:cNvPr id="8" name="Slide Number Placeholder 7"/>
+          <p:cNvPr id="6" name="Slide Number Placeholder 5"/>
           <p:cNvSpPr>
             <a:spLocks noGrp="1"/>
           </p:cNvSpPr>
@@ -9316,7 +10203,7 @@
               <a:pPr>
                 <a:defRPr/>
               </a:pPr>
-              <a:t>7</a:t>
+              <a:t>8</a:t>
             </a:fld>
             <a:endParaRPr lang="en-US"/>
           </a:p>
@@ -9324,34 +10211,63 @@
       </p:sp>
       <p:sp>
         <p:nvSpPr>
-          <p:cNvPr id="9" name="Date Placeholder 8"/>
-          <p:cNvSpPr>
-            <a:spLocks noGrp="1"/>
-          </p:cNvSpPr>
-          <p:nvPr>
-            <p:ph type="dt" sz="half" idx="10"/>
-          </p:nvPr>
-        </p:nvSpPr>
-        <p:spPr/>
-        <p:txBody>
-          <a:bodyPr/>
+          <p:cNvPr id="8" name="Rounded Rectangle 7"/>
+          <p:cNvSpPr/>
+          <p:nvPr/>
+        </p:nvSpPr>
+        <p:spPr>
+          <a:xfrm>
+            <a:off x="2095500" y="5105400"/>
+            <a:ext cx="4953000" cy="914400"/>
+          </a:xfrm>
+          <a:prstGeom prst="roundRect">
+            <a:avLst/>
+          </a:prstGeom>
+          <a:solidFill>
+            <a:srgbClr val="CCFFFF"/>
+          </a:solidFill>
+        </p:spPr>
+        <p:style>
+          <a:lnRef idx="2">
+            <a:schemeClr val="accent1">
+              <a:shade val="50000"/>
+            </a:schemeClr>
+          </a:lnRef>
+          <a:fillRef idx="1">
+            <a:schemeClr val="accent1"/>
+          </a:fillRef>
+          <a:effectRef idx="0">
+            <a:schemeClr val="accent1"/>
+          </a:effectRef>
+          <a:fontRef idx="minor">
+            <a:schemeClr val="lt1"/>
+          </a:fontRef>
+        </p:style>
+        <p:txBody>
+          <a:bodyPr rtlCol="0" anchor="ctr"/>
           <a:lstStyle/>
           <a:p>
-            <a:pPr>
-              <a:defRPr/>
-            </a:pPr>
-            <a:r>
-              <a:rPr lang="en-US" smtClean="0"/>
-              <a:t>Ogle, Nunavut, 6-9 Aug 2016</a:t>
-            </a:r>
-            <a:endParaRPr lang="en-US" dirty="0" smtClean="0"/>
+            <a:pPr algn="ctr"/>
+            <a:r>
+              <a:rPr lang="en-US" sz="4000" dirty="0" smtClean="0">
+                <a:solidFill>
+                  <a:schemeClr val="tx1"/>
+                </a:solidFill>
+              </a:rPr>
+              <a:t>Examine Handout</a:t>
+            </a:r>
+            <a:endParaRPr lang="en-US" sz="4000" dirty="0">
+              <a:solidFill>
+                <a:schemeClr val="tx1"/>
+              </a:solidFill>
+            </a:endParaRPr>
           </a:p>
         </p:txBody>
       </p:sp>
     </p:spTree>
     <p:extLst>
       <p:ext uri="{BB962C8B-B14F-4D97-AF65-F5344CB8AC3E}">
-        <p14:creationId xmlns:p14="http://schemas.microsoft.com/office/powerpoint/2010/main" val="2177802168"/>
+        <p14:creationId xmlns:p14="http://schemas.microsoft.com/office/powerpoint/2010/main" val="1565410862"/>
       </p:ext>
     </p:extLst>
   </p:cSld>
@@ -9370,9 +10286,6 @@
                     <p:cTn id="3" fill="hold">
                       <p:stCondLst>
                         <p:cond delay="indefinite"/>
-                        <p:cond evt="onBegin" delay="0">
-                          <p:tn val="2"/>
-                        </p:cond>
                       </p:stCondLst>
                       <p:childTnLst>
                         <p:par>
@@ -9382,7 +10295,7 @@
                             </p:stCondLst>
                             <p:childTnLst>
                               <p:par>
-                                <p:cTn id="5" presetID="1" presetClass="entr" presetSubtype="0" fill="hold" grpId="0" nodeType="withEffect">
+                                <p:cTn id="5" presetID="1" presetClass="entr" presetSubtype="0" fill="hold" grpId="0" nodeType="clickEffect">
                                   <p:stCondLst>
                                     <p:cond delay="0"/>
                                   </p:stCondLst>
@@ -9397,7 +10310,7 @@
                                         <p:tgtEl>
                                           <p:spTgt spid="3">
                                             <p:txEl>
-                                              <p:pRg st="0" end="0"/>
+                                              <p:pRg st="1" end="1"/>
                                             </p:txEl>
                                           </p:spTgt>
                                         </p:tgtEl>
@@ -9410,26 +10323,6 @@
                                       </p:to>
                                     </p:set>
                                   </p:childTnLst>
-                                  <p:subTnLst>
-                                    <p:animClr clrSpc="rgb" dir="cw">
-                                      <p:cBhvr override="childStyle">
-                                        <p:cTn dur="1" fill="hold" display="0" masterRel="nextClick" afterEffect="1"/>
-                                        <p:tgtEl>
-                                          <p:spTgt spid="3">
-                                            <p:txEl>
-                                              <p:pRg st="0" end="0"/>
-                                            </p:txEl>
-                                          </p:spTgt>
-                                        </p:tgtEl>
-                                        <p:attrNameLst>
-                                          <p:attrName>ppt_c</p:attrName>
-                                        </p:attrNameLst>
-                                      </p:cBhvr>
-                                      <p:to>
-                                        <a:srgbClr val="5F5F5F"/>
-                                      </p:to>
-                                    </p:animClr>
-                                  </p:subTnLst>
                                 </p:cTn>
                               </p:par>
                             </p:childTnLst>
@@ -9466,7 +10359,7 @@
                                         <p:tgtEl>
                                           <p:spTgt spid="3">
                                             <p:txEl>
-                                              <p:pRg st="1" end="1"/>
+                                              <p:pRg st="2" end="2"/>
                                             </p:txEl>
                                           </p:spTgt>
                                         </p:tgtEl>
@@ -9479,26 +10372,6 @@
                                       </p:to>
                                     </p:set>
                                   </p:childTnLst>
-                                  <p:subTnLst>
-                                    <p:animClr clrSpc="rgb" dir="cw">
-                                      <p:cBhvr override="childStyle">
-                                        <p:cTn dur="1" fill="hold" display="0" masterRel="nextClick" afterEffect="1"/>
-                                        <p:tgtEl>
-                                          <p:spTgt spid="3">
-                                            <p:txEl>
-                                              <p:pRg st="1" end="1"/>
-                                            </p:txEl>
-                                          </p:spTgt>
-                                        </p:tgtEl>
-                                        <p:attrNameLst>
-                                          <p:attrName>ppt_c</p:attrName>
-                                        </p:attrNameLst>
-                                      </p:cBhvr>
-                                      <p:to>
-                                        <a:srgbClr val="5F5F5F"/>
-                                      </p:to>
-                                    </p:animClr>
-                                  </p:subTnLst>
                                 </p:cTn>
                               </p:par>
                             </p:childTnLst>
@@ -9535,7 +10408,7 @@
                                         <p:tgtEl>
                                           <p:spTgt spid="3">
                                             <p:txEl>
-                                              <p:pRg st="2" end="2"/>
+                                              <p:pRg st="3" end="3"/>
                                             </p:txEl>
                                           </p:spTgt>
                                         </p:tgtEl>
@@ -9548,65 +10421,32 @@
                                       </p:to>
                                     </p:set>
                                   </p:childTnLst>
-                                  <p:subTnLst>
-                                    <p:animClr clrSpc="rgb" dir="cw">
-                                      <p:cBhvr override="childStyle">
-                                        <p:cTn dur="1" fill="hold" display="0" masterRel="nextClick" afterEffect="1"/>
-                                        <p:tgtEl>
-                                          <p:spTgt spid="3">
-                                            <p:txEl>
-                                              <p:pRg st="2" end="2"/>
-                                            </p:txEl>
-                                          </p:spTgt>
-                                        </p:tgtEl>
-                                        <p:attrNameLst>
-                                          <p:attrName>ppt_c</p:attrName>
-                                        </p:attrNameLst>
-                                      </p:cBhvr>
-                                      <p:to>
-                                        <a:srgbClr val="5F5F5F"/>
-                                      </p:to>
-                                    </p:animClr>
-                                  </p:subTnLst>
                                 </p:cTn>
                               </p:par>
                             </p:childTnLst>
                           </p:cTn>
                         </p:par>
-                      </p:childTnLst>
-                    </p:cTn>
-                  </p:par>
-                  <p:par>
-                    <p:cTn id="15" fill="hold">
-                      <p:stCondLst>
-                        <p:cond delay="indefinite"/>
-                      </p:stCondLst>
-                      <p:childTnLst>
                         <p:par>
-                          <p:cTn id="16" fill="hold">
+                          <p:cTn id="15" fill="hold">
                             <p:stCondLst>
                               <p:cond delay="0"/>
                             </p:stCondLst>
                             <p:childTnLst>
                               <p:par>
-                                <p:cTn id="17" presetID="1" presetClass="entr" presetSubtype="0" fill="hold" grpId="0" nodeType="clickEffect">
+                                <p:cTn id="16" presetID="1" presetClass="entr" presetSubtype="0" fill="hold" grpId="0" nodeType="afterEffect">
                                   <p:stCondLst>
-                                    <p:cond delay="0"/>
+                                    <p:cond delay="1000"/>
                                   </p:stCondLst>
                                   <p:childTnLst>
                                     <p:set>
                                       <p:cBhvr>
-                                        <p:cTn id="18" dur="1" fill="hold">
+                                        <p:cTn id="17" dur="1" fill="hold">
                                           <p:stCondLst>
                                             <p:cond delay="0"/>
                                           </p:stCondLst>
                                         </p:cTn>
                                         <p:tgtEl>
-                                          <p:spTgt spid="3">
-                                            <p:txEl>
-                                              <p:pRg st="3" end="3"/>
-                                            </p:txEl>
-                                          </p:spTgt>
+                                          <p:spTgt spid="8"/>
                                         </p:tgtEl>
                                         <p:attrNameLst>
                                           <p:attrName>style.visibility</p:attrName>
@@ -9648,6 +10488,7 @@
     </p:tnLst>
     <p:bldLst>
       <p:bldP spid="3" grpId="0" uiExpand="1" build="p"/>
+      <p:bldP spid="8" grpId="0" animBg="1"/>
     </p:bldLst>
   </p:timing>
 </p:sld>
